--- a/4.) Introduction to C++/Introduction to C++.pptx
+++ b/4.) Introduction to C++/Introduction to C++.pptx
@@ -17,9 +17,10 @@
     <p:sldId id="265" r:id="rId11"/>
     <p:sldId id="266" r:id="rId12"/>
     <p:sldId id="267" r:id="rId13"/>
-    <p:sldId id="269" r:id="rId14"/>
-    <p:sldId id="268" r:id="rId15"/>
-    <p:sldId id="270" r:id="rId16"/>
+    <p:sldId id="271" r:id="rId14"/>
+    <p:sldId id="269" r:id="rId15"/>
+    <p:sldId id="268" r:id="rId16"/>
+    <p:sldId id="270" r:id="rId17"/>
   </p:sldIdLst>
   <p:sldSz cx="12192000" cy="6858000"/>
   <p:notesSz cx="6858000" cy="9144000"/>
@@ -5307,7 +5308,7 @@
           <a:p>
             <a:r>
               <a:rPr lang="en-TT" dirty="0"/>
-              <a:t>And that’s a wrap!</a:t>
+              <a:t>Your Second Program!</a:t>
             </a:r>
             <a:endParaRPr lang="en-US" dirty="0"/>
           </a:p>
@@ -5332,7 +5333,7 @@
         <p:spPr>
           <a:xfrm>
             <a:off x="1371600" y="1428750"/>
-            <a:ext cx="9601200" cy="4834890"/>
+            <a:ext cx="9601200" cy="4343400"/>
           </a:xfrm>
         </p:spPr>
         <p:txBody>
@@ -5347,82 +5348,51 @@
               </a:lnSpc>
             </a:pPr>
             <a:r>
+              <a:rPr lang="en-US" i="0" dirty="0"/>
+              <a:t>Write in the code </a:t>
+            </a:r>
+            <a:r>
               <a:rPr lang="en-US" dirty="0"/>
-              <a:t>Well, almost. You know how to write a basic program in C++ but you also need to get an idea of how you go from a programming language to the binary that a computer can understand</a:t>
-            </a:r>
-            <a:endParaRPr lang="en-US" i="0" dirty="0"/>
-          </a:p>
-          <a:p>
-            <a:pPr>
-              <a:lnSpc>
-                <a:spcPct val="150000"/>
-              </a:lnSpc>
-            </a:pPr>
+              <a:t>below in the .</a:t>
+            </a:r>
+            <a:r>
+              <a:rPr lang="en-US" dirty="0" err="1"/>
+              <a:t>cpp</a:t>
+            </a:r>
             <a:r>
               <a:rPr lang="en-US" dirty="0"/>
-              <a:t>This is a fantastic video explaining the process, watch it instead of Netflix </a:t>
-            </a:r>
-            <a:r>
-              <a:rPr lang="en-US" dirty="0" err="1"/>
-              <a:t>plz</a:t>
-            </a:r>
-            <a:r>
-              <a:rPr lang="en-US" dirty="0"/>
-              <a:t> and no it’s not a random Indian guy on YouTube.</a:t>
-            </a:r>
-          </a:p>
-          <a:p>
-            <a:pPr>
-              <a:lnSpc>
-                <a:spcPct val="150000"/>
-              </a:lnSpc>
-            </a:pPr>
-            <a:r>
-              <a:rPr lang="en-US" dirty="0">
-                <a:solidFill>
-                  <a:schemeClr val="tx1"/>
-                </a:solidFill>
-              </a:rPr>
-              <a:t>How do computers read code? – Frame of Essence</a:t>
-            </a:r>
-          </a:p>
-          <a:p>
-            <a:pPr lvl="1">
-              <a:lnSpc>
-                <a:spcPct val="150000"/>
-              </a:lnSpc>
-            </a:pPr>
-            <a:r>
-              <a:rPr lang="en-US" i="0" dirty="0">
-                <a:hlinkClick r:id="rId2">
-                  <a:extLst>
-                    <a:ext uri="{A12FA001-AC4F-418D-AE19-62706E023703}">
-                      <ahyp:hlinkClr xmlns:ahyp="http://schemas.microsoft.com/office/drawing/2018/hyperlinkcolor" val="tx"/>
-                    </a:ext>
-                  </a:extLst>
-                </a:hlinkClick>
-              </a:rPr>
-              <a:t>https://youtu.be/QXjU9qTsYCc</a:t>
-            </a:r>
-            <a:endParaRPr lang="en-US" i="0" dirty="0"/>
-          </a:p>
-          <a:p>
-            <a:pPr lvl="1">
-              <a:lnSpc>
-                <a:spcPct val="150000"/>
-              </a:lnSpc>
-            </a:pPr>
-            <a:endParaRPr lang="en-US" dirty="0"/>
-          </a:p>
-          <a:p>
-            <a:pPr>
-              <a:lnSpc>
-                <a:spcPct val="150000"/>
-              </a:lnSpc>
-            </a:pPr>
-            <a:endParaRPr lang="en-US" dirty="0">
-              <a:latin typeface="Consolas" panose="020B0609020204030204" pitchFamily="49" charset="0"/>
-            </a:endParaRPr>
+              <a:t> file you created. Then build and run without debugging. Alternatively, just run without debugging (includes the build step)</a:t>
+            </a:r>
+          </a:p>
+          <a:p>
+            <a:pPr marL="0" indent="0">
+              <a:lnSpc>
+                <a:spcPct val="100000"/>
+              </a:lnSpc>
+              <a:buNone/>
+            </a:pPr>
+            <a:endParaRPr lang="en-US" dirty="0"/>
+          </a:p>
+          <a:p>
+            <a:pPr marL="987552" lvl="1" indent="-457200">
+              <a:buFont typeface="+mj-lt"/>
+              <a:buAutoNum type="arabicPeriod"/>
+            </a:pPr>
+            <a:endParaRPr lang="en-US" dirty="0"/>
+          </a:p>
+          <a:p>
+            <a:pPr marL="987552" lvl="1" indent="-457200">
+              <a:buFont typeface="+mj-lt"/>
+              <a:buAutoNum type="arabicPeriod"/>
+            </a:pPr>
+            <a:endParaRPr lang="en-US" dirty="0"/>
+          </a:p>
+          <a:p>
+            <a:pPr lvl="1"/>
+            <a:endParaRPr lang="en-US" dirty="0"/>
+          </a:p>
+          <a:p>
+            <a:endParaRPr lang="en-US" dirty="0"/>
           </a:p>
         </p:txBody>
       </p:sp>
@@ -5528,10 +5498,909 @@
           </a:p>
         </p:txBody>
       </p:sp>
+      <p:pic>
+        <p:nvPicPr>
+          <p:cNvPr id="1028" name="Picture 4" descr="Party Popper on Apple iOS 13.3">
+            <a:extLst>
+              <a:ext uri="{FF2B5EF4-FFF2-40B4-BE49-F238E27FC236}">
+                <a16:creationId xmlns:a16="http://schemas.microsoft.com/office/drawing/2014/main" id="{6C24B197-5234-4134-869C-C36371EBFBE6}"/>
+              </a:ext>
+            </a:extLst>
+          </p:cNvPr>
+          <p:cNvPicPr>
+            <a:picLocks noChangeAspect="1" noChangeArrowheads="1"/>
+          </p:cNvPicPr>
+          <p:nvPr/>
+        </p:nvPicPr>
+        <p:blipFill>
+          <a:blip r:embed="rId2">
+            <a:extLst>
+              <a:ext uri="{28A0092B-C50C-407E-A947-70E740481C1C}">
+                <a14:useLocalDpi xmlns:a14="http://schemas.microsoft.com/office/drawing/2010/main" val="0"/>
+              </a:ext>
+            </a:extLst>
+          </a:blip>
+          <a:srcRect/>
+          <a:stretch>
+            <a:fillRect/>
+          </a:stretch>
+        </p:blipFill>
+        <p:spPr bwMode="auto">
+          <a:xfrm>
+            <a:off x="7206216" y="650678"/>
+            <a:ext cx="598170" cy="598170"/>
+          </a:xfrm>
+          <a:prstGeom prst="rect">
+            <a:avLst/>
+          </a:prstGeom>
+          <a:noFill/>
+          <a:extLst>
+            <a:ext uri="{909E8E84-426E-40DD-AFC4-6F175D3DCCD1}">
+              <a14:hiddenFill xmlns:a14="http://schemas.microsoft.com/office/drawing/2010/main">
+                <a:solidFill>
+                  <a:srgbClr val="FFFFFF"/>
+                </a:solidFill>
+              </a14:hiddenFill>
+            </a:ext>
+          </a:extLst>
+        </p:spPr>
+      </p:pic>
+      <p:sp>
+        <p:nvSpPr>
+          <p:cNvPr id="6" name="Rectangle 1">
+            <a:extLst>
+              <a:ext uri="{FF2B5EF4-FFF2-40B4-BE49-F238E27FC236}">
+                <a16:creationId xmlns:a16="http://schemas.microsoft.com/office/drawing/2014/main" id="{58B0EF24-F1FD-4565-A612-8E4E91E6C1F8}"/>
+              </a:ext>
+            </a:extLst>
+          </p:cNvPr>
+          <p:cNvSpPr>
+            <a:spLocks noChangeArrowheads="1"/>
+          </p:cNvSpPr>
+          <p:nvPr/>
+        </p:nvSpPr>
+        <p:spPr bwMode="auto">
+          <a:xfrm>
+            <a:off x="2445488" y="2914650"/>
+            <a:ext cx="8225329" cy="2554545"/>
+          </a:xfrm>
+          <a:prstGeom prst="rect">
+            <a:avLst/>
+          </a:prstGeom>
+          <a:solidFill>
+            <a:srgbClr val="FFFFFF"/>
+          </a:solidFill>
+          <a:ln>
+            <a:noFill/>
+          </a:ln>
+          <a:effectLst/>
+          <a:extLst>
+            <a:ext uri="{91240B29-F687-4F45-9708-019B960494DF}">
+              <a14:hiddenLine xmlns:a14="http://schemas.microsoft.com/office/drawing/2010/main" w="9525">
+                <a:solidFill>
+                  <a:schemeClr val="tx1"/>
+                </a:solidFill>
+                <a:miter lim="800000"/>
+                <a:headEnd/>
+                <a:tailEnd/>
+              </a14:hiddenLine>
+            </a:ext>
+            <a:ext uri="{AF507438-7753-43E0-B8FC-AC1667EBCBE1}">
+              <a14:hiddenEffects xmlns:a14="http://schemas.microsoft.com/office/drawing/2010/main">
+                <a:effectLst>
+                  <a:outerShdw dist="35921" dir="2700000" algn="ctr" rotWithShape="0">
+                    <a:schemeClr val="bg2"/>
+                  </a:outerShdw>
+                </a:effectLst>
+              </a14:hiddenEffects>
+            </a:ext>
+          </a:extLst>
+        </p:spPr>
+        <p:txBody>
+          <a:bodyPr vert="horz" wrap="none" lIns="91440" tIns="45720" rIns="91440" bIns="45720" numCol="1" anchor="ctr" anchorCtr="0" compatLnSpc="1">
+            <a:prstTxWarp prst="textNoShape">
+              <a:avLst/>
+            </a:prstTxWarp>
+            <a:spAutoFit/>
+          </a:bodyPr>
+          <a:lstStyle/>
+          <a:p>
+            <a:pPr marL="0" marR="0" lvl="0" indent="0" algn="l" defTabSz="914400" rtl="0" eaLnBrk="0" fontAlgn="base" latinLnBrk="0" hangingPunct="0">
+              <a:lnSpc>
+                <a:spcPct val="100000"/>
+              </a:lnSpc>
+              <a:spcBef>
+                <a:spcPct val="0"/>
+              </a:spcBef>
+              <a:spcAft>
+                <a:spcPct val="0"/>
+              </a:spcAft>
+              <a:buClrTx/>
+              <a:buSzTx/>
+              <a:buFontTx/>
+              <a:buNone/>
+              <a:tabLst/>
+            </a:pPr>
+            <a:r>
+              <a:rPr kumimoji="0" lang="en-US" altLang="en-US" sz="2000" b="0" i="0" u="none" strike="noStrike" cap="none" normalizeH="0" baseline="0" dirty="0">
+                <a:ln>
+                  <a:noFill/>
+                </a:ln>
+                <a:solidFill>
+                  <a:srgbClr val="808080"/>
+                </a:solidFill>
+                <a:effectLst/>
+                <a:latin typeface="Consolas" panose="020B0609020204030204" pitchFamily="49" charset="0"/>
+              </a:rPr>
+              <a:t>#include</a:t>
+            </a:r>
+            <a:r>
+              <a:rPr kumimoji="0" lang="en-US" altLang="en-US" sz="2000" b="0" i="0" u="none" strike="noStrike" cap="none" normalizeH="0" baseline="0" dirty="0">
+                <a:ln>
+                  <a:noFill/>
+                </a:ln>
+                <a:solidFill>
+                  <a:srgbClr val="E21F1F"/>
+                </a:solidFill>
+                <a:effectLst/>
+                <a:latin typeface="Consolas" panose="020B0609020204030204" pitchFamily="49" charset="0"/>
+              </a:rPr>
+              <a:t>&lt;</a:t>
+            </a:r>
+            <a:r>
+              <a:rPr kumimoji="0" lang="en-US" altLang="en-US" sz="2000" b="0" i="0" u="none" strike="noStrike" cap="none" normalizeH="0" baseline="0" dirty="0">
+                <a:ln>
+                  <a:noFill/>
+                </a:ln>
+                <a:solidFill>
+                  <a:srgbClr val="A31515"/>
+                </a:solidFill>
+                <a:effectLst/>
+                <a:latin typeface="Consolas" panose="020B0609020204030204" pitchFamily="49" charset="0"/>
+              </a:rPr>
+              <a:t>iostream</a:t>
+            </a:r>
+            <a:r>
+              <a:rPr kumimoji="0" lang="en-US" altLang="en-US" sz="2000" b="0" i="0" u="none" strike="noStrike" cap="none" normalizeH="0" baseline="0" dirty="0">
+                <a:ln>
+                  <a:noFill/>
+                </a:ln>
+                <a:solidFill>
+                  <a:srgbClr val="E21F1F"/>
+                </a:solidFill>
+                <a:effectLst/>
+                <a:latin typeface="Consolas" panose="020B0609020204030204" pitchFamily="49" charset="0"/>
+              </a:rPr>
+              <a:t>&gt;</a:t>
+            </a:r>
+            <a:r>
+              <a:rPr kumimoji="0" lang="en-US" altLang="en-US" sz="2000" b="0" i="0" u="none" strike="noStrike" cap="none" normalizeH="0" baseline="0" dirty="0">
+                <a:ln>
+                  <a:noFill/>
+                </a:ln>
+                <a:solidFill>
+                  <a:srgbClr val="000000"/>
+                </a:solidFill>
+                <a:effectLst/>
+                <a:latin typeface="Consolas" panose="020B0609020204030204" pitchFamily="49" charset="0"/>
+              </a:rPr>
+              <a:t> </a:t>
+            </a:r>
+          </a:p>
+          <a:p>
+            <a:pPr marL="0" marR="0" lvl="0" indent="0" algn="l" defTabSz="914400" rtl="0" eaLnBrk="0" fontAlgn="base" latinLnBrk="0" hangingPunct="0">
+              <a:lnSpc>
+                <a:spcPct val="100000"/>
+              </a:lnSpc>
+              <a:spcBef>
+                <a:spcPct val="0"/>
+              </a:spcBef>
+              <a:spcAft>
+                <a:spcPct val="0"/>
+              </a:spcAft>
+              <a:buClrTx/>
+              <a:buSzTx/>
+              <a:buFontTx/>
+              <a:buNone/>
+              <a:tabLst/>
+            </a:pPr>
+            <a:r>
+              <a:rPr kumimoji="0" lang="en-US" altLang="en-US" sz="2000" b="0" i="0" u="none" strike="noStrike" cap="none" normalizeH="0" baseline="0" dirty="0">
+                <a:ln>
+                  <a:noFill/>
+                </a:ln>
+                <a:solidFill>
+                  <a:srgbClr val="0000FF"/>
+                </a:solidFill>
+                <a:effectLst/>
+                <a:latin typeface="Consolas" panose="020B0609020204030204" pitchFamily="49" charset="0"/>
+              </a:rPr>
+              <a:t>int</a:t>
+            </a:r>
+            <a:r>
+              <a:rPr kumimoji="0" lang="en-US" altLang="en-US" sz="2000" b="0" i="0" u="none" strike="noStrike" cap="none" normalizeH="0" baseline="0" dirty="0">
+                <a:ln>
+                  <a:noFill/>
+                </a:ln>
+                <a:solidFill>
+                  <a:srgbClr val="000000"/>
+                </a:solidFill>
+                <a:effectLst/>
+                <a:latin typeface="Consolas" panose="020B0609020204030204" pitchFamily="49" charset="0"/>
+              </a:rPr>
+              <a:t> </a:t>
+            </a:r>
+            <a:r>
+              <a:rPr kumimoji="0" lang="en-US" altLang="en-US" sz="2000" b="0" i="0" u="none" strike="noStrike" cap="none" normalizeH="0" baseline="0" dirty="0">
+                <a:ln>
+                  <a:noFill/>
+                </a:ln>
+                <a:solidFill>
+                  <a:srgbClr val="74531F"/>
+                </a:solidFill>
+                <a:effectLst/>
+                <a:latin typeface="Consolas" panose="020B0609020204030204" pitchFamily="49" charset="0"/>
+              </a:rPr>
+              <a:t>main</a:t>
+            </a:r>
+            <a:r>
+              <a:rPr kumimoji="0" lang="en-US" altLang="en-US" sz="2000" b="0" i="0" u="none" strike="noStrike" cap="none" normalizeH="0" baseline="0" dirty="0">
+                <a:ln>
+                  <a:noFill/>
+                </a:ln>
+                <a:solidFill>
+                  <a:srgbClr val="000000"/>
+                </a:solidFill>
+                <a:effectLst/>
+                <a:latin typeface="Consolas" panose="020B0609020204030204" pitchFamily="49" charset="0"/>
+              </a:rPr>
+              <a:t>() { </a:t>
+            </a:r>
+          </a:p>
+          <a:p>
+            <a:pPr marL="0" marR="0" lvl="0" indent="0" algn="l" defTabSz="914400" rtl="0" eaLnBrk="0" fontAlgn="base" latinLnBrk="0" hangingPunct="0">
+              <a:lnSpc>
+                <a:spcPct val="100000"/>
+              </a:lnSpc>
+              <a:spcBef>
+                <a:spcPct val="0"/>
+              </a:spcBef>
+              <a:spcAft>
+                <a:spcPct val="0"/>
+              </a:spcAft>
+              <a:buClrTx/>
+              <a:buSzTx/>
+              <a:buFontTx/>
+              <a:buNone/>
+              <a:tabLst/>
+            </a:pPr>
+            <a:r>
+              <a:rPr kumimoji="0" lang="en-US" altLang="en-US" sz="2000" b="0" i="0" u="none" strike="noStrike" cap="none" normalizeH="0" baseline="0" dirty="0">
+                <a:ln>
+                  <a:noFill/>
+                </a:ln>
+                <a:solidFill>
+                  <a:srgbClr val="0000FF"/>
+                </a:solidFill>
+                <a:effectLst/>
+                <a:latin typeface="Consolas" panose="020B0609020204030204" pitchFamily="49" charset="0"/>
+              </a:rPr>
+              <a:t> int</a:t>
+            </a:r>
+            <a:r>
+              <a:rPr kumimoji="0" lang="en-US" altLang="en-US" sz="2000" b="0" i="0" u="none" strike="noStrike" cap="none" normalizeH="0" baseline="0" dirty="0">
+                <a:ln>
+                  <a:noFill/>
+                </a:ln>
+                <a:solidFill>
+                  <a:srgbClr val="000000"/>
+                </a:solidFill>
+                <a:effectLst/>
+                <a:latin typeface="Consolas" panose="020B0609020204030204" pitchFamily="49" charset="0"/>
+              </a:rPr>
+              <a:t> </a:t>
+            </a:r>
+            <a:r>
+              <a:rPr kumimoji="0" lang="en-US" altLang="en-US" sz="2000" b="0" i="0" u="none" strike="noStrike" cap="none" normalizeH="0" baseline="0" dirty="0">
+                <a:ln>
+                  <a:noFill/>
+                </a:ln>
+                <a:solidFill>
+                  <a:srgbClr val="1F377F"/>
+                </a:solidFill>
+                <a:effectLst/>
+                <a:latin typeface="Consolas" panose="020B0609020204030204" pitchFamily="49" charset="0"/>
+              </a:rPr>
+              <a:t>number</a:t>
+            </a:r>
+            <a:r>
+              <a:rPr kumimoji="0" lang="en-US" altLang="en-US" sz="2000" b="0" i="0" u="none" strike="noStrike" cap="none" normalizeH="0" baseline="0" dirty="0">
+                <a:ln>
+                  <a:noFill/>
+                </a:ln>
+                <a:solidFill>
+                  <a:srgbClr val="000000"/>
+                </a:solidFill>
+                <a:effectLst/>
+                <a:latin typeface="Consolas" panose="020B0609020204030204" pitchFamily="49" charset="0"/>
+              </a:rPr>
+              <a:t> = 0; </a:t>
+            </a:r>
+            <a:r>
+              <a:rPr kumimoji="0" lang="en-US" altLang="en-US" sz="2000" b="0" i="0" u="none" strike="noStrike" cap="none" normalizeH="0" baseline="0" dirty="0">
+                <a:ln>
+                  <a:noFill/>
+                </a:ln>
+                <a:solidFill>
+                  <a:srgbClr val="008000"/>
+                </a:solidFill>
+                <a:effectLst/>
+                <a:latin typeface="Consolas" panose="020B0609020204030204" pitchFamily="49" charset="0"/>
+              </a:rPr>
+              <a:t>//Declares a variable of type integer</a:t>
+            </a:r>
+            <a:r>
+              <a:rPr kumimoji="0" lang="en-US" altLang="en-US" sz="2000" b="0" i="0" u="none" strike="noStrike" cap="none" normalizeH="0" baseline="0" dirty="0">
+                <a:ln>
+                  <a:noFill/>
+                </a:ln>
+                <a:solidFill>
+                  <a:srgbClr val="000000"/>
+                </a:solidFill>
+                <a:effectLst/>
+                <a:latin typeface="Consolas" panose="020B0609020204030204" pitchFamily="49" charset="0"/>
+              </a:rPr>
+              <a:t> </a:t>
+            </a:r>
+          </a:p>
+          <a:p>
+            <a:pPr marL="0" marR="0" lvl="0" indent="0" algn="l" defTabSz="914400" rtl="0" eaLnBrk="0" fontAlgn="base" latinLnBrk="0" hangingPunct="0">
+              <a:lnSpc>
+                <a:spcPct val="100000"/>
+              </a:lnSpc>
+              <a:spcBef>
+                <a:spcPct val="0"/>
+              </a:spcBef>
+              <a:spcAft>
+                <a:spcPct val="0"/>
+              </a:spcAft>
+              <a:buClrTx/>
+              <a:buSzTx/>
+              <a:buFontTx/>
+              <a:buNone/>
+              <a:tabLst/>
+            </a:pPr>
+            <a:r>
+              <a:rPr kumimoji="0" lang="en-US" altLang="en-US" sz="2000" b="0" i="0" u="none" strike="noStrike" cap="none" normalizeH="0" baseline="0" dirty="0">
+                <a:ln>
+                  <a:noFill/>
+                </a:ln>
+                <a:solidFill>
+                  <a:srgbClr val="000000"/>
+                </a:solidFill>
+                <a:effectLst/>
+                <a:latin typeface="Consolas" panose="020B0609020204030204" pitchFamily="49" charset="0"/>
+              </a:rPr>
+              <a:t> std::cout </a:t>
+            </a:r>
+            <a:r>
+              <a:rPr kumimoji="0" lang="en-US" altLang="en-US" sz="2000" b="0" i="0" u="none" strike="noStrike" cap="none" normalizeH="0" baseline="0" dirty="0">
+                <a:ln>
+                  <a:noFill/>
+                </a:ln>
+                <a:solidFill>
+                  <a:srgbClr val="008080"/>
+                </a:solidFill>
+                <a:effectLst/>
+                <a:latin typeface="Consolas" panose="020B0609020204030204" pitchFamily="49" charset="0"/>
+              </a:rPr>
+              <a:t>&lt;&lt;</a:t>
+            </a:r>
+            <a:r>
+              <a:rPr kumimoji="0" lang="en-US" altLang="en-US" sz="2000" b="0" i="0" u="none" strike="noStrike" cap="none" normalizeH="0" baseline="0" dirty="0">
+                <a:ln>
+                  <a:noFill/>
+                </a:ln>
+                <a:solidFill>
+                  <a:srgbClr val="000000"/>
+                </a:solidFill>
+                <a:effectLst/>
+                <a:latin typeface="Consolas" panose="020B0609020204030204" pitchFamily="49" charset="0"/>
+              </a:rPr>
+              <a:t> </a:t>
+            </a:r>
+            <a:r>
+              <a:rPr kumimoji="0" lang="en-US" altLang="en-US" sz="2000" b="0" i="0" u="none" strike="noStrike" cap="none" normalizeH="0" baseline="0" dirty="0">
+                <a:ln>
+                  <a:noFill/>
+                </a:ln>
+                <a:solidFill>
+                  <a:srgbClr val="E21F1F"/>
+                </a:solidFill>
+                <a:effectLst/>
+                <a:latin typeface="Consolas" panose="020B0609020204030204" pitchFamily="49" charset="0"/>
+              </a:rPr>
+              <a:t>"</a:t>
+            </a:r>
+            <a:r>
+              <a:rPr kumimoji="0" lang="en-US" altLang="en-US" sz="2000" b="0" i="0" u="none" strike="noStrike" cap="none" normalizeH="0" baseline="0" dirty="0">
+                <a:ln>
+                  <a:noFill/>
+                </a:ln>
+                <a:solidFill>
+                  <a:srgbClr val="A31515"/>
+                </a:solidFill>
+                <a:effectLst/>
+                <a:latin typeface="Consolas" panose="020B0609020204030204" pitchFamily="49" charset="0"/>
+              </a:rPr>
+              <a:t>Enter a number: </a:t>
+            </a:r>
+            <a:r>
+              <a:rPr kumimoji="0" lang="en-US" altLang="en-US" sz="2000" b="0" i="0" u="none" strike="noStrike" cap="none" normalizeH="0" baseline="0" dirty="0">
+                <a:ln>
+                  <a:noFill/>
+                </a:ln>
+                <a:solidFill>
+                  <a:srgbClr val="E21F1F"/>
+                </a:solidFill>
+                <a:effectLst/>
+                <a:latin typeface="Consolas" panose="020B0609020204030204" pitchFamily="49" charset="0"/>
+              </a:rPr>
+              <a:t>"</a:t>
+            </a:r>
+            <a:r>
+              <a:rPr kumimoji="0" lang="en-US" altLang="en-US" sz="2000" b="0" i="0" u="none" strike="noStrike" cap="none" normalizeH="0" baseline="0" dirty="0">
+                <a:ln>
+                  <a:noFill/>
+                </a:ln>
+                <a:solidFill>
+                  <a:srgbClr val="000000"/>
+                </a:solidFill>
+                <a:effectLst/>
+                <a:latin typeface="Consolas" panose="020B0609020204030204" pitchFamily="49" charset="0"/>
+              </a:rPr>
+              <a:t>; </a:t>
+            </a:r>
+          </a:p>
+          <a:p>
+            <a:pPr marL="0" marR="0" lvl="0" indent="0" algn="l" defTabSz="914400" rtl="0" eaLnBrk="0" fontAlgn="base" latinLnBrk="0" hangingPunct="0">
+              <a:lnSpc>
+                <a:spcPct val="100000"/>
+              </a:lnSpc>
+              <a:spcBef>
+                <a:spcPct val="0"/>
+              </a:spcBef>
+              <a:spcAft>
+                <a:spcPct val="0"/>
+              </a:spcAft>
+              <a:buClrTx/>
+              <a:buSzTx/>
+              <a:buFontTx/>
+              <a:buNone/>
+              <a:tabLst/>
+            </a:pPr>
+            <a:r>
+              <a:rPr kumimoji="0" lang="en-US" altLang="en-US" sz="2000" b="0" i="0" u="none" strike="noStrike" cap="none" normalizeH="0" baseline="0" dirty="0">
+                <a:ln>
+                  <a:noFill/>
+                </a:ln>
+                <a:solidFill>
+                  <a:srgbClr val="000000"/>
+                </a:solidFill>
+                <a:effectLst/>
+                <a:latin typeface="Consolas" panose="020B0609020204030204" pitchFamily="49" charset="0"/>
+              </a:rPr>
+              <a:t> std::</a:t>
+            </a:r>
+            <a:r>
+              <a:rPr kumimoji="0" lang="en-US" altLang="en-US" sz="2000" b="0" i="0" u="none" strike="noStrike" cap="none" normalizeH="0" baseline="0" dirty="0" err="1">
+                <a:ln>
+                  <a:noFill/>
+                </a:ln>
+                <a:solidFill>
+                  <a:srgbClr val="000000"/>
+                </a:solidFill>
+                <a:effectLst/>
+                <a:latin typeface="Consolas" panose="020B0609020204030204" pitchFamily="49" charset="0"/>
+              </a:rPr>
+              <a:t>cin</a:t>
+            </a:r>
+            <a:r>
+              <a:rPr kumimoji="0" lang="en-US" altLang="en-US" sz="2000" b="0" i="0" u="none" strike="noStrike" cap="none" normalizeH="0" baseline="0" dirty="0">
+                <a:ln>
+                  <a:noFill/>
+                </a:ln>
+                <a:solidFill>
+                  <a:srgbClr val="000000"/>
+                </a:solidFill>
+                <a:effectLst/>
+                <a:latin typeface="Consolas" panose="020B0609020204030204" pitchFamily="49" charset="0"/>
+              </a:rPr>
+              <a:t> </a:t>
+            </a:r>
+            <a:r>
+              <a:rPr kumimoji="0" lang="en-US" altLang="en-US" sz="2000" b="0" i="0" u="none" strike="noStrike" cap="none" normalizeH="0" baseline="0" dirty="0">
+                <a:ln>
+                  <a:noFill/>
+                </a:ln>
+                <a:solidFill>
+                  <a:srgbClr val="008080"/>
+                </a:solidFill>
+                <a:effectLst/>
+                <a:latin typeface="Consolas" panose="020B0609020204030204" pitchFamily="49" charset="0"/>
+              </a:rPr>
+              <a:t>&gt;&gt;</a:t>
+            </a:r>
+            <a:r>
+              <a:rPr kumimoji="0" lang="en-US" altLang="en-US" sz="2000" b="0" i="0" u="none" strike="noStrike" cap="none" normalizeH="0" baseline="0" dirty="0">
+                <a:ln>
+                  <a:noFill/>
+                </a:ln>
+                <a:solidFill>
+                  <a:srgbClr val="000000"/>
+                </a:solidFill>
+                <a:effectLst/>
+                <a:latin typeface="Consolas" panose="020B0609020204030204" pitchFamily="49" charset="0"/>
+              </a:rPr>
+              <a:t> </a:t>
+            </a:r>
+            <a:r>
+              <a:rPr kumimoji="0" lang="en-US" altLang="en-US" sz="2000" b="0" i="0" u="none" strike="noStrike" cap="none" normalizeH="0" baseline="0" dirty="0">
+                <a:ln>
+                  <a:noFill/>
+                </a:ln>
+                <a:solidFill>
+                  <a:srgbClr val="1F377F"/>
+                </a:solidFill>
+                <a:effectLst/>
+                <a:latin typeface="Consolas" panose="020B0609020204030204" pitchFamily="49" charset="0"/>
+              </a:rPr>
+              <a:t>number</a:t>
+            </a:r>
+            <a:r>
+              <a:rPr kumimoji="0" lang="en-US" altLang="en-US" sz="2000" b="0" i="0" u="none" strike="noStrike" cap="none" normalizeH="0" baseline="0" dirty="0">
+                <a:ln>
+                  <a:noFill/>
+                </a:ln>
+                <a:solidFill>
+                  <a:srgbClr val="000000"/>
+                </a:solidFill>
+                <a:effectLst/>
+                <a:latin typeface="Consolas" panose="020B0609020204030204" pitchFamily="49" charset="0"/>
+              </a:rPr>
+              <a:t>; </a:t>
+            </a:r>
+            <a:r>
+              <a:rPr kumimoji="0" lang="en-US" altLang="en-US" sz="2000" b="0" i="0" u="none" strike="noStrike" cap="none" normalizeH="0" baseline="0" dirty="0">
+                <a:ln>
+                  <a:noFill/>
+                </a:ln>
+                <a:solidFill>
+                  <a:srgbClr val="008000"/>
+                </a:solidFill>
+                <a:effectLst/>
+                <a:latin typeface="Consolas" panose="020B0609020204030204" pitchFamily="49" charset="0"/>
+              </a:rPr>
+              <a:t>//Note the stream direction changes</a:t>
+            </a:r>
+            <a:r>
+              <a:rPr kumimoji="0" lang="en-US" altLang="en-US" sz="2000" b="0" i="0" u="none" strike="noStrike" cap="none" normalizeH="0" baseline="0" dirty="0">
+                <a:ln>
+                  <a:noFill/>
+                </a:ln>
+                <a:solidFill>
+                  <a:srgbClr val="000000"/>
+                </a:solidFill>
+                <a:effectLst/>
+                <a:latin typeface="Consolas" panose="020B0609020204030204" pitchFamily="49" charset="0"/>
+              </a:rPr>
+              <a:t> </a:t>
+            </a:r>
+          </a:p>
+          <a:p>
+            <a:pPr marL="0" marR="0" lvl="0" indent="0" algn="l" defTabSz="914400" rtl="0" eaLnBrk="0" fontAlgn="base" latinLnBrk="0" hangingPunct="0">
+              <a:lnSpc>
+                <a:spcPct val="100000"/>
+              </a:lnSpc>
+              <a:spcBef>
+                <a:spcPct val="0"/>
+              </a:spcBef>
+              <a:spcAft>
+                <a:spcPct val="0"/>
+              </a:spcAft>
+              <a:buClrTx/>
+              <a:buSzTx/>
+              <a:buFontTx/>
+              <a:buNone/>
+              <a:tabLst/>
+            </a:pPr>
+            <a:r>
+              <a:rPr kumimoji="0" lang="en-US" altLang="en-US" sz="2000" b="0" i="0" u="none" strike="noStrike" cap="none" normalizeH="0" baseline="0" dirty="0">
+                <a:ln>
+                  <a:noFill/>
+                </a:ln>
+                <a:solidFill>
+                  <a:srgbClr val="000000"/>
+                </a:solidFill>
+                <a:effectLst/>
+                <a:latin typeface="Consolas" panose="020B0609020204030204" pitchFamily="49" charset="0"/>
+              </a:rPr>
+              <a:t> std::cout </a:t>
+            </a:r>
+            <a:r>
+              <a:rPr kumimoji="0" lang="en-US" altLang="en-US" sz="2000" b="0" i="0" u="none" strike="noStrike" cap="none" normalizeH="0" baseline="0" dirty="0">
+                <a:ln>
+                  <a:noFill/>
+                </a:ln>
+                <a:solidFill>
+                  <a:srgbClr val="008080"/>
+                </a:solidFill>
+                <a:effectLst/>
+                <a:latin typeface="Consolas" panose="020B0609020204030204" pitchFamily="49" charset="0"/>
+              </a:rPr>
+              <a:t>&lt;&lt;</a:t>
+            </a:r>
+            <a:r>
+              <a:rPr kumimoji="0" lang="en-US" altLang="en-US" sz="2000" b="0" i="0" u="none" strike="noStrike" cap="none" normalizeH="0" baseline="0" dirty="0">
+                <a:ln>
+                  <a:noFill/>
+                </a:ln>
+                <a:solidFill>
+                  <a:srgbClr val="000000"/>
+                </a:solidFill>
+                <a:effectLst/>
+                <a:latin typeface="Consolas" panose="020B0609020204030204" pitchFamily="49" charset="0"/>
+              </a:rPr>
+              <a:t> </a:t>
+            </a:r>
+            <a:r>
+              <a:rPr kumimoji="0" lang="en-US" altLang="en-US" sz="2000" b="0" i="0" u="none" strike="noStrike" cap="none" normalizeH="0" baseline="0" dirty="0">
+                <a:ln>
+                  <a:noFill/>
+                </a:ln>
+                <a:solidFill>
+                  <a:srgbClr val="E21F1F"/>
+                </a:solidFill>
+                <a:effectLst/>
+                <a:latin typeface="Consolas" panose="020B0609020204030204" pitchFamily="49" charset="0"/>
+              </a:rPr>
+              <a:t>"</a:t>
+            </a:r>
+            <a:r>
+              <a:rPr kumimoji="0" lang="en-US" altLang="en-US" sz="2000" b="0" i="0" u="none" strike="noStrike" cap="none" normalizeH="0" baseline="0" dirty="0">
+                <a:ln>
+                  <a:noFill/>
+                </a:ln>
+                <a:solidFill>
+                  <a:srgbClr val="A31515"/>
+                </a:solidFill>
+                <a:effectLst/>
+                <a:latin typeface="Consolas" panose="020B0609020204030204" pitchFamily="49" charset="0"/>
+              </a:rPr>
+              <a:t>The number is: </a:t>
+            </a:r>
+            <a:r>
+              <a:rPr kumimoji="0" lang="en-US" altLang="en-US" sz="2000" b="0" i="0" u="none" strike="noStrike" cap="none" normalizeH="0" baseline="0" dirty="0">
+                <a:ln>
+                  <a:noFill/>
+                </a:ln>
+                <a:solidFill>
+                  <a:srgbClr val="E21F1F"/>
+                </a:solidFill>
+                <a:effectLst/>
+                <a:latin typeface="Consolas" panose="020B0609020204030204" pitchFamily="49" charset="0"/>
+              </a:rPr>
+              <a:t>"</a:t>
+            </a:r>
+            <a:r>
+              <a:rPr kumimoji="0" lang="en-US" altLang="en-US" sz="2000" b="0" i="0" u="none" strike="noStrike" cap="none" normalizeH="0" baseline="0" dirty="0">
+                <a:ln>
+                  <a:noFill/>
+                </a:ln>
+                <a:solidFill>
+                  <a:srgbClr val="000000"/>
+                </a:solidFill>
+                <a:effectLst/>
+                <a:latin typeface="Consolas" panose="020B0609020204030204" pitchFamily="49" charset="0"/>
+              </a:rPr>
+              <a:t> </a:t>
+            </a:r>
+            <a:r>
+              <a:rPr kumimoji="0" lang="en-US" altLang="en-US" sz="2000" b="0" i="0" u="none" strike="noStrike" cap="none" normalizeH="0" baseline="0" dirty="0">
+                <a:ln>
+                  <a:noFill/>
+                </a:ln>
+                <a:solidFill>
+                  <a:srgbClr val="008080"/>
+                </a:solidFill>
+                <a:effectLst/>
+                <a:latin typeface="Consolas" panose="020B0609020204030204" pitchFamily="49" charset="0"/>
+              </a:rPr>
+              <a:t>&lt;&lt;</a:t>
+            </a:r>
+            <a:r>
+              <a:rPr kumimoji="0" lang="en-US" altLang="en-US" sz="2000" b="0" i="0" u="none" strike="noStrike" cap="none" normalizeH="0" baseline="0" dirty="0">
+                <a:ln>
+                  <a:noFill/>
+                </a:ln>
+                <a:solidFill>
+                  <a:srgbClr val="000000"/>
+                </a:solidFill>
+                <a:effectLst/>
+                <a:latin typeface="Consolas" panose="020B0609020204030204" pitchFamily="49" charset="0"/>
+              </a:rPr>
+              <a:t> </a:t>
+            </a:r>
+            <a:r>
+              <a:rPr kumimoji="0" lang="en-US" altLang="en-US" sz="2000" b="0" i="0" u="none" strike="noStrike" cap="none" normalizeH="0" baseline="0" dirty="0">
+                <a:ln>
+                  <a:noFill/>
+                </a:ln>
+                <a:solidFill>
+                  <a:srgbClr val="1F377F"/>
+                </a:solidFill>
+                <a:effectLst/>
+                <a:latin typeface="Consolas" panose="020B0609020204030204" pitchFamily="49" charset="0"/>
+              </a:rPr>
+              <a:t>number</a:t>
+            </a:r>
+            <a:r>
+              <a:rPr kumimoji="0" lang="en-US" altLang="en-US" sz="2000" b="0" i="0" u="none" strike="noStrike" cap="none" normalizeH="0" baseline="0" dirty="0">
+                <a:ln>
+                  <a:noFill/>
+                </a:ln>
+                <a:solidFill>
+                  <a:srgbClr val="000000"/>
+                </a:solidFill>
+                <a:effectLst/>
+                <a:latin typeface="Consolas" panose="020B0609020204030204" pitchFamily="49" charset="0"/>
+              </a:rPr>
+              <a:t> </a:t>
+            </a:r>
+            <a:r>
+              <a:rPr kumimoji="0" lang="en-US" altLang="en-US" sz="2000" b="0" i="0" u="none" strike="noStrike" cap="none" normalizeH="0" baseline="0" dirty="0">
+                <a:ln>
+                  <a:noFill/>
+                </a:ln>
+                <a:solidFill>
+                  <a:srgbClr val="008080"/>
+                </a:solidFill>
+                <a:effectLst/>
+                <a:latin typeface="Consolas" panose="020B0609020204030204" pitchFamily="49" charset="0"/>
+              </a:rPr>
+              <a:t>&lt;&lt;</a:t>
+            </a:r>
+            <a:r>
+              <a:rPr kumimoji="0" lang="en-US" altLang="en-US" sz="2000" b="0" i="0" u="none" strike="noStrike" cap="none" normalizeH="0" baseline="0" dirty="0">
+                <a:ln>
+                  <a:noFill/>
+                </a:ln>
+                <a:solidFill>
+                  <a:srgbClr val="000000"/>
+                </a:solidFill>
+                <a:effectLst/>
+                <a:latin typeface="Consolas" panose="020B0609020204030204" pitchFamily="49" charset="0"/>
+              </a:rPr>
+              <a:t> std::</a:t>
+            </a:r>
+            <a:r>
+              <a:rPr kumimoji="0" lang="en-US" altLang="en-US" sz="2000" b="0" i="0" u="none" strike="noStrike" cap="none" normalizeH="0" baseline="0" dirty="0">
+                <a:ln>
+                  <a:noFill/>
+                </a:ln>
+                <a:solidFill>
+                  <a:srgbClr val="74531F"/>
+                </a:solidFill>
+                <a:effectLst/>
+                <a:latin typeface="Consolas" panose="020B0609020204030204" pitchFamily="49" charset="0"/>
+              </a:rPr>
+              <a:t>endl</a:t>
+            </a:r>
+            <a:r>
+              <a:rPr kumimoji="0" lang="en-US" altLang="en-US" sz="2000" b="0" i="0" u="none" strike="noStrike" cap="none" normalizeH="0" baseline="0" dirty="0">
+                <a:ln>
+                  <a:noFill/>
+                </a:ln>
+                <a:solidFill>
+                  <a:srgbClr val="000000"/>
+                </a:solidFill>
+                <a:effectLst/>
+                <a:latin typeface="Consolas" panose="020B0609020204030204" pitchFamily="49" charset="0"/>
+              </a:rPr>
+              <a:t>; </a:t>
+            </a:r>
+          </a:p>
+          <a:p>
+            <a:pPr marL="0" marR="0" lvl="0" indent="0" algn="l" defTabSz="914400" rtl="0" eaLnBrk="0" fontAlgn="base" latinLnBrk="0" hangingPunct="0">
+              <a:lnSpc>
+                <a:spcPct val="100000"/>
+              </a:lnSpc>
+              <a:spcBef>
+                <a:spcPct val="0"/>
+              </a:spcBef>
+              <a:spcAft>
+                <a:spcPct val="0"/>
+              </a:spcAft>
+              <a:buClrTx/>
+              <a:buSzTx/>
+              <a:buFontTx/>
+              <a:buNone/>
+              <a:tabLst/>
+            </a:pPr>
+            <a:r>
+              <a:rPr kumimoji="0" lang="en-US" altLang="en-US" sz="2000" b="0" i="0" u="none" strike="noStrike" cap="none" normalizeH="0" baseline="0" dirty="0">
+                <a:ln>
+                  <a:noFill/>
+                </a:ln>
+                <a:solidFill>
+                  <a:srgbClr val="8F08C4"/>
+                </a:solidFill>
+                <a:effectLst/>
+                <a:latin typeface="Consolas" panose="020B0609020204030204" pitchFamily="49" charset="0"/>
+              </a:rPr>
+              <a:t> return</a:t>
+            </a:r>
+            <a:r>
+              <a:rPr kumimoji="0" lang="en-US" altLang="en-US" sz="2000" b="0" i="0" u="none" strike="noStrike" cap="none" normalizeH="0" baseline="0" dirty="0">
+                <a:ln>
+                  <a:noFill/>
+                </a:ln>
+                <a:solidFill>
+                  <a:srgbClr val="000000"/>
+                </a:solidFill>
+                <a:effectLst/>
+                <a:latin typeface="Consolas" panose="020B0609020204030204" pitchFamily="49" charset="0"/>
+              </a:rPr>
+              <a:t> 0; </a:t>
+            </a:r>
+          </a:p>
+          <a:p>
+            <a:pPr marL="0" marR="0" lvl="0" indent="0" algn="l" defTabSz="914400" rtl="0" eaLnBrk="0" fontAlgn="base" latinLnBrk="0" hangingPunct="0">
+              <a:lnSpc>
+                <a:spcPct val="100000"/>
+              </a:lnSpc>
+              <a:spcBef>
+                <a:spcPct val="0"/>
+              </a:spcBef>
+              <a:spcAft>
+                <a:spcPct val="0"/>
+              </a:spcAft>
+              <a:buClrTx/>
+              <a:buSzTx/>
+              <a:buFontTx/>
+              <a:buNone/>
+              <a:tabLst/>
+            </a:pPr>
+            <a:r>
+              <a:rPr kumimoji="0" lang="en-US" altLang="en-US" sz="2000" b="0" i="0" u="none" strike="noStrike" cap="none" normalizeH="0" baseline="0" dirty="0">
+                <a:ln>
+                  <a:noFill/>
+                </a:ln>
+                <a:solidFill>
+                  <a:srgbClr val="000000"/>
+                </a:solidFill>
+                <a:effectLst/>
+                <a:latin typeface="Consolas" panose="020B0609020204030204" pitchFamily="49" charset="0"/>
+              </a:rPr>
+              <a:t>}</a:t>
+            </a:r>
+            <a:endParaRPr kumimoji="0" lang="en-US" altLang="en-US" sz="4800" b="0" i="0" u="none" strike="noStrike" cap="none" normalizeH="0" baseline="0" dirty="0">
+              <a:ln>
+                <a:noFill/>
+              </a:ln>
+              <a:solidFill>
+                <a:schemeClr val="tx1"/>
+              </a:solidFill>
+              <a:effectLst/>
+              <a:latin typeface="Arial" panose="020B0604020202020204" pitchFamily="34" charset="0"/>
+            </a:endParaRPr>
+          </a:p>
+        </p:txBody>
+      </p:sp>
     </p:spTree>
     <p:extLst>
       <p:ext uri="{BB962C8B-B14F-4D97-AF65-F5344CB8AC3E}">
-        <p14:creationId xmlns:p14="http://schemas.microsoft.com/office/powerpoint/2010/main" val="624660502"/>
+        <p14:creationId xmlns:p14="http://schemas.microsoft.com/office/powerpoint/2010/main" val="2387955880"/>
       </p:ext>
     </p:extLst>
   </p:cSld>
@@ -5581,7 +6450,7 @@
           <a:p>
             <a:r>
               <a:rPr lang="en-TT" dirty="0"/>
-              <a:t>Visual Studio Community Fixes</a:t>
+              <a:t>And that’s a wrap!</a:t>
             </a:r>
             <a:endParaRPr lang="en-US" dirty="0"/>
           </a:p>
@@ -5606,7 +6475,7 @@
         <p:spPr>
           <a:xfrm>
             <a:off x="1371600" y="1428750"/>
-            <a:ext cx="9601200" cy="5074920"/>
+            <a:ext cx="9601200" cy="4834890"/>
           </a:xfrm>
         </p:spPr>
         <p:txBody>
@@ -5622,7 +6491,42 @@
             </a:pPr>
             <a:r>
               <a:rPr lang="en-US" dirty="0"/>
-              <a:t>If the terminal window closes as soon as the program finishes execution. 	</a:t>
+              <a:t>Well, almost. You know how to write a basic program in C++ but you also need to get an idea of how you go from a programming language to the binary that a computer can understand</a:t>
+            </a:r>
+            <a:endParaRPr lang="en-US" i="0" dirty="0"/>
+          </a:p>
+          <a:p>
+            <a:pPr>
+              <a:lnSpc>
+                <a:spcPct val="150000"/>
+              </a:lnSpc>
+            </a:pPr>
+            <a:r>
+              <a:rPr lang="en-US" dirty="0"/>
+              <a:t>This is a fantastic video explaining the process, watch it instead of Netflix </a:t>
+            </a:r>
+            <a:r>
+              <a:rPr lang="en-US" dirty="0" err="1"/>
+              <a:t>plz</a:t>
+            </a:r>
+            <a:r>
+              <a:rPr lang="en-US" dirty="0"/>
+              <a:t> and no it’s not a random Indian guy on YouTube.</a:t>
+            </a:r>
+          </a:p>
+          <a:p>
+            <a:pPr>
+              <a:lnSpc>
+                <a:spcPct val="150000"/>
+              </a:lnSpc>
+            </a:pPr>
+            <a:r>
+              <a:rPr lang="en-US" dirty="0">
+                <a:solidFill>
+                  <a:schemeClr val="tx1"/>
+                </a:solidFill>
+              </a:rPr>
+              <a:t>How do computers read code? – Frame of Essence</a:t>
             </a:r>
           </a:p>
           <a:p>
@@ -5632,102 +6536,18 @@
               </a:lnSpc>
             </a:pPr>
             <a:r>
-              <a:rPr lang="en-US" altLang="en-US" i="0" dirty="0">
-                <a:solidFill>
-                  <a:schemeClr val="tx1"/>
-                </a:solidFill>
-              </a:rPr>
-              <a:t>Project &gt; “</a:t>
-            </a:r>
-            <a:r>
-              <a:rPr lang="en-US" altLang="en-US" i="0" dirty="0" err="1">
-                <a:solidFill>
-                  <a:schemeClr val="tx1"/>
-                </a:solidFill>
-              </a:rPr>
-              <a:t>yourproject</a:t>
-            </a:r>
-            <a:r>
-              <a:rPr lang="en-US" altLang="en-US" i="0" dirty="0">
-                <a:solidFill>
-                  <a:schemeClr val="tx1"/>
-                </a:solidFill>
-              </a:rPr>
-              <a:t>” properties &gt; Linker &gt; System &gt; ‘Subsystem’ – make sure it’s set to console.</a:t>
-            </a:r>
-          </a:p>
-          <a:p>
-            <a:pPr>
-              <a:lnSpc>
-                <a:spcPct val="150000"/>
-              </a:lnSpc>
-            </a:pPr>
-            <a:r>
-              <a:rPr lang="en-US" altLang="en-US" dirty="0">
-                <a:solidFill>
-                  <a:schemeClr val="tx1"/>
-                </a:solidFill>
-              </a:rPr>
-              <a:t>LNK1168 </a:t>
-            </a:r>
-          </a:p>
-          <a:p>
-            <a:pPr lvl="1">
-              <a:lnSpc>
-                <a:spcPct val="150000"/>
-              </a:lnSpc>
-            </a:pPr>
-            <a:r>
-              <a:rPr lang="en-US" altLang="en-US" i="0" dirty="0">
-                <a:solidFill>
-                  <a:schemeClr val="tx1"/>
-                </a:solidFill>
-              </a:rPr>
-              <a:t>Make sure your terminal window is closed before running your program again</a:t>
-            </a:r>
-          </a:p>
-          <a:p>
-            <a:pPr lvl="1">
-              <a:lnSpc>
-                <a:spcPct val="150000"/>
-              </a:lnSpc>
-            </a:pPr>
-            <a:r>
-              <a:rPr lang="en-US" altLang="en-US" i="0" dirty="0">
-                <a:solidFill>
-                  <a:schemeClr val="tx1"/>
-                </a:solidFill>
-              </a:rPr>
-              <a:t>If that doesn’t work: Project &gt; “</a:t>
-            </a:r>
-            <a:r>
-              <a:rPr lang="en-US" altLang="en-US" i="0" dirty="0" err="1">
-                <a:solidFill>
-                  <a:schemeClr val="tx1"/>
-                </a:solidFill>
-              </a:rPr>
-              <a:t>yourproject</a:t>
-            </a:r>
-            <a:r>
-              <a:rPr lang="en-US" altLang="en-US" i="0" dirty="0">
-                <a:solidFill>
-                  <a:schemeClr val="tx1"/>
-                </a:solidFill>
-              </a:rPr>
-              <a:t>” properties &gt; Linker &gt; General &gt; ‘Enable Incremental Linking’ – make sure it’s set to no.</a:t>
-            </a:r>
-          </a:p>
-          <a:p>
-            <a:pPr lvl="1">
-              <a:lnSpc>
-                <a:spcPct val="150000"/>
-              </a:lnSpc>
-            </a:pPr>
-            <a:endParaRPr lang="en-US" altLang="en-US" i="0" dirty="0">
-              <a:solidFill>
-                <a:schemeClr val="tx1"/>
-              </a:solidFill>
-            </a:endParaRPr>
+              <a:rPr lang="en-US" i="0" dirty="0">
+                <a:hlinkClick r:id="rId2">
+                  <a:extLst>
+                    <a:ext uri="{A12FA001-AC4F-418D-AE19-62706E023703}">
+                      <ahyp:hlinkClr xmlns:ahyp="http://schemas.microsoft.com/office/drawing/2018/hyperlinkcolor" val="tx"/>
+                    </a:ext>
+                  </a:extLst>
+                </a:hlinkClick>
+              </a:rPr>
+              <a:t>https://youtu.be/QXjU9qTsYCc</a:t>
+            </a:r>
+            <a:endParaRPr lang="en-US" i="0" dirty="0"/>
           </a:p>
           <a:p>
             <a:pPr lvl="1">
@@ -5854,6 +6674,329 @@
     </p:spTree>
     <p:extLst>
       <p:ext uri="{BB962C8B-B14F-4D97-AF65-F5344CB8AC3E}">
+        <p14:creationId xmlns:p14="http://schemas.microsoft.com/office/powerpoint/2010/main" val="624660502"/>
+      </p:ext>
+    </p:extLst>
+  </p:cSld>
+  <p:clrMapOvr>
+    <a:masterClrMapping/>
+  </p:clrMapOvr>
+</p:sld>
+</file>
+
+<file path=ppt/slides/slide15.xml><?xml version="1.0" encoding="utf-8"?>
+<p:sld xmlns:a="http://schemas.openxmlformats.org/drawingml/2006/main" xmlns:r="http://schemas.openxmlformats.org/officeDocument/2006/relationships" xmlns:p="http://schemas.openxmlformats.org/presentationml/2006/main">
+  <p:cSld>
+    <p:spTree>
+      <p:nvGrpSpPr>
+        <p:cNvPr id="1" name=""/>
+        <p:cNvGrpSpPr/>
+        <p:nvPr/>
+      </p:nvGrpSpPr>
+      <p:grpSpPr>
+        <a:xfrm>
+          <a:off x="0" y="0"/>
+          <a:ext cx="0" cy="0"/>
+          <a:chOff x="0" y="0"/>
+          <a:chExt cx="0" cy="0"/>
+        </a:xfrm>
+      </p:grpSpPr>
+      <p:sp>
+        <p:nvSpPr>
+          <p:cNvPr id="2" name="Title 1">
+            <a:extLst>
+              <a:ext uri="{FF2B5EF4-FFF2-40B4-BE49-F238E27FC236}">
+                <a16:creationId xmlns:a16="http://schemas.microsoft.com/office/drawing/2014/main" id="{07C4DFD9-E96E-4D71-B40C-D37CF47E494C}"/>
+              </a:ext>
+            </a:extLst>
+          </p:cNvPr>
+          <p:cNvSpPr>
+            <a:spLocks noGrp="1"/>
+          </p:cNvSpPr>
+          <p:nvPr>
+            <p:ph type="title"/>
+          </p:nvPr>
+        </p:nvSpPr>
+        <p:spPr/>
+        <p:txBody>
+          <a:bodyPr/>
+          <a:lstStyle/>
+          <a:p>
+            <a:r>
+              <a:rPr lang="en-TT" dirty="0"/>
+              <a:t>Visual Studio Community Fixes</a:t>
+            </a:r>
+            <a:endParaRPr lang="en-US" dirty="0"/>
+          </a:p>
+        </p:txBody>
+      </p:sp>
+      <p:sp>
+        <p:nvSpPr>
+          <p:cNvPr id="3" name="Content Placeholder 2">
+            <a:extLst>
+              <a:ext uri="{FF2B5EF4-FFF2-40B4-BE49-F238E27FC236}">
+                <a16:creationId xmlns:a16="http://schemas.microsoft.com/office/drawing/2014/main" id="{AFD4EA38-A1B5-4837-B865-E0833B73A707}"/>
+              </a:ext>
+            </a:extLst>
+          </p:cNvPr>
+          <p:cNvSpPr>
+            <a:spLocks noGrp="1"/>
+          </p:cNvSpPr>
+          <p:nvPr>
+            <p:ph idx="1"/>
+          </p:nvPr>
+        </p:nvSpPr>
+        <p:spPr>
+          <a:xfrm>
+            <a:off x="1371600" y="1428750"/>
+            <a:ext cx="9601200" cy="5074920"/>
+          </a:xfrm>
+        </p:spPr>
+        <p:txBody>
+          <a:bodyPr>
+            <a:normAutofit/>
+          </a:bodyPr>
+          <a:lstStyle/>
+          <a:p>
+            <a:pPr>
+              <a:lnSpc>
+                <a:spcPct val="150000"/>
+              </a:lnSpc>
+            </a:pPr>
+            <a:r>
+              <a:rPr lang="en-US" dirty="0"/>
+              <a:t>If the terminal window closes as soon as the program finishes execution. 	</a:t>
+            </a:r>
+          </a:p>
+          <a:p>
+            <a:pPr lvl="1">
+              <a:lnSpc>
+                <a:spcPct val="150000"/>
+              </a:lnSpc>
+            </a:pPr>
+            <a:r>
+              <a:rPr lang="en-US" altLang="en-US" i="0" dirty="0">
+                <a:solidFill>
+                  <a:schemeClr val="tx1"/>
+                </a:solidFill>
+              </a:rPr>
+              <a:t>Project &gt; “</a:t>
+            </a:r>
+            <a:r>
+              <a:rPr lang="en-US" altLang="en-US" i="0" dirty="0" err="1">
+                <a:solidFill>
+                  <a:schemeClr val="tx1"/>
+                </a:solidFill>
+              </a:rPr>
+              <a:t>yourproject</a:t>
+            </a:r>
+            <a:r>
+              <a:rPr lang="en-US" altLang="en-US" i="0" dirty="0">
+                <a:solidFill>
+                  <a:schemeClr val="tx1"/>
+                </a:solidFill>
+              </a:rPr>
+              <a:t>” properties &gt; Linker &gt; System &gt; ‘Subsystem’ – make sure it’s set to console.</a:t>
+            </a:r>
+          </a:p>
+          <a:p>
+            <a:pPr>
+              <a:lnSpc>
+                <a:spcPct val="150000"/>
+              </a:lnSpc>
+            </a:pPr>
+            <a:r>
+              <a:rPr lang="en-US" altLang="en-US" dirty="0">
+                <a:solidFill>
+                  <a:schemeClr val="tx1"/>
+                </a:solidFill>
+              </a:rPr>
+              <a:t>LNK1168 </a:t>
+            </a:r>
+          </a:p>
+          <a:p>
+            <a:pPr lvl="1">
+              <a:lnSpc>
+                <a:spcPct val="150000"/>
+              </a:lnSpc>
+            </a:pPr>
+            <a:r>
+              <a:rPr lang="en-US" altLang="en-US" i="0" dirty="0">
+                <a:solidFill>
+                  <a:schemeClr val="tx1"/>
+                </a:solidFill>
+              </a:rPr>
+              <a:t>Make sure your terminal window is closed before running your program again</a:t>
+            </a:r>
+          </a:p>
+          <a:p>
+            <a:pPr lvl="1">
+              <a:lnSpc>
+                <a:spcPct val="150000"/>
+              </a:lnSpc>
+            </a:pPr>
+            <a:r>
+              <a:rPr lang="en-US" altLang="en-US" i="0" dirty="0">
+                <a:solidFill>
+                  <a:schemeClr val="tx1"/>
+                </a:solidFill>
+              </a:rPr>
+              <a:t>If that doesn’t work: Project &gt; “</a:t>
+            </a:r>
+            <a:r>
+              <a:rPr lang="en-US" altLang="en-US" i="0" dirty="0" err="1">
+                <a:solidFill>
+                  <a:schemeClr val="tx1"/>
+                </a:solidFill>
+              </a:rPr>
+              <a:t>yourproject</a:t>
+            </a:r>
+            <a:r>
+              <a:rPr lang="en-US" altLang="en-US" i="0" dirty="0">
+                <a:solidFill>
+                  <a:schemeClr val="tx1"/>
+                </a:solidFill>
+              </a:rPr>
+              <a:t>” properties &gt; Linker &gt; General &gt; ‘Enable Incremental Linking’ – make sure it’s set to no.</a:t>
+            </a:r>
+          </a:p>
+          <a:p>
+            <a:pPr lvl="1">
+              <a:lnSpc>
+                <a:spcPct val="150000"/>
+              </a:lnSpc>
+            </a:pPr>
+            <a:endParaRPr lang="en-US" altLang="en-US" i="0" dirty="0">
+              <a:solidFill>
+                <a:schemeClr val="tx1"/>
+              </a:solidFill>
+            </a:endParaRPr>
+          </a:p>
+          <a:p>
+            <a:pPr lvl="1">
+              <a:lnSpc>
+                <a:spcPct val="150000"/>
+              </a:lnSpc>
+            </a:pPr>
+            <a:endParaRPr lang="en-US" dirty="0"/>
+          </a:p>
+          <a:p>
+            <a:pPr>
+              <a:lnSpc>
+                <a:spcPct val="150000"/>
+              </a:lnSpc>
+            </a:pPr>
+            <a:endParaRPr lang="en-US" dirty="0">
+              <a:latin typeface="Consolas" panose="020B0609020204030204" pitchFamily="49" charset="0"/>
+            </a:endParaRPr>
+          </a:p>
+        </p:txBody>
+      </p:sp>
+      <p:sp>
+        <p:nvSpPr>
+          <p:cNvPr id="5" name="Rectangle 2">
+            <a:extLst>
+              <a:ext uri="{FF2B5EF4-FFF2-40B4-BE49-F238E27FC236}">
+                <a16:creationId xmlns:a16="http://schemas.microsoft.com/office/drawing/2014/main" id="{EA09284B-26D8-4E31-BD97-EB6919765DE0}"/>
+              </a:ext>
+            </a:extLst>
+          </p:cNvPr>
+          <p:cNvSpPr>
+            <a:spLocks noChangeArrowheads="1"/>
+          </p:cNvSpPr>
+          <p:nvPr/>
+        </p:nvSpPr>
+        <p:spPr bwMode="auto">
+          <a:xfrm>
+            <a:off x="0" y="113184"/>
+            <a:ext cx="248786" cy="230832"/>
+          </a:xfrm>
+          <a:prstGeom prst="rect">
+            <a:avLst/>
+          </a:prstGeom>
+          <a:solidFill>
+            <a:srgbClr val="FFFFFF"/>
+          </a:solidFill>
+          <a:ln>
+            <a:noFill/>
+          </a:ln>
+          <a:effectLst/>
+          <a:extLst>
+            <a:ext uri="{91240B29-F687-4F45-9708-019B960494DF}">
+              <a14:hiddenLine xmlns:a14="http://schemas.microsoft.com/office/drawing/2010/main" w="9525">
+                <a:solidFill>
+                  <a:schemeClr val="tx1"/>
+                </a:solidFill>
+                <a:miter lim="800000"/>
+                <a:headEnd/>
+                <a:tailEnd/>
+              </a14:hiddenLine>
+            </a:ext>
+            <a:ext uri="{AF507438-7753-43E0-B8FC-AC1667EBCBE1}">
+              <a14:hiddenEffects xmlns:a14="http://schemas.microsoft.com/office/drawing/2010/main">
+                <a:effectLst>
+                  <a:outerShdw dist="35921" dir="2700000" algn="ctr" rotWithShape="0">
+                    <a:schemeClr val="bg2"/>
+                  </a:outerShdw>
+                </a:effectLst>
+              </a14:hiddenEffects>
+            </a:ext>
+          </a:extLst>
+        </p:spPr>
+        <p:txBody>
+          <a:bodyPr vert="horz" wrap="none" lIns="91440" tIns="45720" rIns="91440" bIns="45720" numCol="1" anchor="ctr" anchorCtr="0" compatLnSpc="1">
+            <a:prstTxWarp prst="textNoShape">
+              <a:avLst/>
+            </a:prstTxWarp>
+            <a:spAutoFit/>
+          </a:bodyPr>
+          <a:lstStyle/>
+          <a:p>
+            <a:pPr marL="0" marR="0" lvl="0" indent="0" algn="l" defTabSz="914400" rtl="0" eaLnBrk="0" fontAlgn="base" latinLnBrk="0" hangingPunct="0">
+              <a:lnSpc>
+                <a:spcPct val="100000"/>
+              </a:lnSpc>
+              <a:spcBef>
+                <a:spcPct val="0"/>
+              </a:spcBef>
+              <a:spcAft>
+                <a:spcPct val="0"/>
+              </a:spcAft>
+              <a:buClrTx/>
+              <a:buSzTx/>
+              <a:buFontTx/>
+              <a:buNone/>
+              <a:tabLst/>
+            </a:pPr>
+            <a:r>
+              <a:rPr kumimoji="0" lang="en-US" altLang="en-US" sz="900" b="0" i="0" u="none" strike="noStrike" cap="none" normalizeH="0" baseline="0" dirty="0">
+                <a:ln>
+                  <a:noFill/>
+                </a:ln>
+                <a:solidFill>
+                  <a:srgbClr val="000000"/>
+                </a:solidFill>
+                <a:effectLst/>
+                <a:latin typeface="Consolas" panose="020B0609020204030204" pitchFamily="49" charset="0"/>
+              </a:rPr>
+              <a:t> </a:t>
+            </a:r>
+            <a:endParaRPr kumimoji="0" lang="en-US" altLang="en-US" sz="1800" b="0" i="0" u="none" strike="noStrike" cap="none" normalizeH="0" baseline="0" dirty="0">
+              <a:ln>
+                <a:noFill/>
+              </a:ln>
+              <a:solidFill>
+                <a:schemeClr val="tx1"/>
+              </a:solidFill>
+              <a:effectLst/>
+              <a:latin typeface="Arial" panose="020B0604020202020204" pitchFamily="34" charset="0"/>
+            </a:endParaRPr>
+          </a:p>
+        </p:txBody>
+      </p:sp>
+    </p:spTree>
+    <p:extLst>
+      <p:ext uri="{BB962C8B-B14F-4D97-AF65-F5344CB8AC3E}">
         <p14:creationId xmlns:p14="http://schemas.microsoft.com/office/powerpoint/2010/main" val="517396140"/>
       </p:ext>
     </p:extLst>
@@ -5864,7 +7007,7 @@
 </p:sld>
 </file>
 
-<file path=ppt/slides/slide15.xml><?xml version="1.0" encoding="utf-8"?>
+<file path=ppt/slides/slide16.xml><?xml version="1.0" encoding="utf-8"?>
 <p:sld xmlns:a="http://schemas.openxmlformats.org/drawingml/2006/main" xmlns:r="http://schemas.openxmlformats.org/officeDocument/2006/relationships" xmlns:p="http://schemas.openxmlformats.org/presentationml/2006/main">
   <p:cSld>
     <p:spTree>
@@ -6135,7 +7278,7 @@
           <a:p>
             <a:fld id="{69E57DC2-970A-4B3E-BB1C-7A09969E49DF}" type="slidenum">
               <a:rPr lang="en-US" smtClean="0"/>
-              <a:t>15</a:t>
+              <a:t>16</a:t>
             </a:fld>
             <a:endParaRPr lang="en-US" dirty="0"/>
           </a:p>
